--- a/aqi.pptx
+++ b/aqi.pptx
@@ -1477,7 +1477,7 @@
         <p:spPr>
           <a:xfrm>
             <a:off x="4151586" y="3429000"/>
-            <a:ext cx="6870861" cy="2616101"/>
+            <a:ext cx="6870861" cy="2185214"/>
           </a:xfrm>
           <a:prstGeom prst="rect">
             <a:avLst/>
@@ -1521,36 +1521,12 @@
                 <a:latin typeface="Calibri" panose="020F0502020204030204" pitchFamily="34" charset="0"/>
                 <a:cs typeface="Times New Roman" panose="02020603050405020304" pitchFamily="18" charset="0"/>
               </a:rPr>
-              <a:t>      STUDENT NAMES:</a:t>
-            </a:r>
-          </a:p>
-          <a:p>
-            <a:r>
-              <a:rPr lang="en-US" sz="1400" b="1" dirty="0">
-                <a:solidFill>
-                  <a:schemeClr val="bg1"/>
-                </a:solidFill>
-                <a:latin typeface="Calibri" panose="020F0502020204030204" pitchFamily="34" charset="0"/>
-                <a:cs typeface="Times New Roman" panose="02020603050405020304" pitchFamily="18" charset="0"/>
-              </a:rPr>
-              <a:t>      ARYAN HIREMATH</a:t>
-            </a:r>
-          </a:p>
-          <a:p>
-            <a:r>
-              <a:rPr lang="en-US" sz="1400" b="1" dirty="0">
-                <a:solidFill>
-                  <a:schemeClr val="bg1"/>
-                </a:solidFill>
-                <a:latin typeface="Calibri" panose="020F0502020204030204" pitchFamily="34" charset="0"/>
-                <a:cs typeface="Times New Roman" panose="02020603050405020304" pitchFamily="18" charset="0"/>
-              </a:rPr>
-              <a:t>      SHREYAS JADHAV</a:t>
-            </a:r>
-          </a:p>
-          <a:p>
-            <a:r>
-              <a:rPr lang="en-US" sz="1400" b="1" dirty="0">
+              <a:t>      STUDENT NAME:</a:t>
+            </a:r>
+          </a:p>
+          <a:p>
+            <a:r>
+              <a:rPr lang="en-US" sz="1400" b="1">
                 <a:solidFill>
                   <a:schemeClr val="bg1"/>
                 </a:solidFill>
@@ -3185,7 +3161,7 @@
         <p:spPr>
           <a:xfrm>
             <a:off x="149086" y="988151"/>
-            <a:ext cx="11896733" cy="5293757"/>
+            <a:ext cx="11896733" cy="5632311"/>
           </a:xfrm>
           <a:prstGeom prst="rect">
             <a:avLst/>
@@ -3246,13 +3222,6 @@
             </a:endParaRPr>
           </a:p>
           <a:p>
-            <a:endParaRPr lang="en-US" sz="1600" dirty="0">
-              <a:solidFill>
-                <a:srgbClr val="213163"/>
-              </a:solidFill>
-            </a:endParaRPr>
-          </a:p>
-          <a:p>
             <a:r>
               <a:rPr lang="en-IN" sz="1800" b="1" dirty="0"/>
               <a:t>Key Findings:</a:t>
@@ -3316,17 +3285,6 @@
             </a:r>
           </a:p>
           <a:p>
-            <a:pPr marL="285750" indent="-285750">
-              <a:buFont typeface="Arial" panose="020B0604020202020204" pitchFamily="34" charset="0"/>
-              <a:buChar char="•"/>
-            </a:pPr>
-            <a:endParaRPr lang="en-IN" sz="1600" dirty="0">
-              <a:solidFill>
-                <a:schemeClr val="tx1"/>
-              </a:solidFill>
-            </a:endParaRPr>
-          </a:p>
-          <a:p>
             <a:endParaRPr lang="en-IN" sz="1800" dirty="0">
               <a:solidFill>
                 <a:schemeClr val="tx1"/>
@@ -3338,11 +3296,41 @@
               <a:rPr lang="en-US" sz="1800" dirty="0"/>
               <a:t>This project has successfully demonstrated the potential of data analytics and machine learning in understanding and addressing air pollution challenges in India. Through accurate predictions, identifying hotspots, and providing actionable insights, we can contribute to reducing the impact of air pollution and improving the quality of life for millions of people in the country.</a:t>
             </a:r>
-            <a:endParaRPr lang="en-IN" sz="1800" dirty="0">
+          </a:p>
+          <a:p>
+            <a:endParaRPr lang="en-US" sz="1800" dirty="0">
               <a:solidFill>
                 <a:schemeClr val="tx1"/>
               </a:solidFill>
             </a:endParaRPr>
+          </a:p>
+          <a:p>
+            <a:r>
+              <a:rPr lang="en-US" sz="1800" b="1" dirty="0" err="1">
+                <a:solidFill>
+                  <a:schemeClr val="tx1"/>
+                </a:solidFill>
+              </a:rPr>
+              <a:t>Github</a:t>
+            </a:r>
+            <a:r>
+              <a:rPr lang="en-US" sz="1800" b="1" dirty="0">
+                <a:solidFill>
+                  <a:schemeClr val="tx1"/>
+                </a:solidFill>
+              </a:rPr>
+              <a:t> link:</a:t>
+            </a:r>
+          </a:p>
+          <a:p>
+            <a:r>
+              <a:rPr lang="en-IN" sz="1800" dirty="0">
+                <a:solidFill>
+                  <a:schemeClr val="tx1"/>
+                </a:solidFill>
+              </a:rPr>
+              <a:t>https://github.com/charul-333/Air-quality-index-predictor-using-linear-regression.git</a:t>
+            </a:r>
           </a:p>
         </p:txBody>
       </p:sp>
